--- a/ppt 16-9/1555.唱一首天上的歌.pptx
+++ b/ppt 16-9/1555.唱一首天上的歌.pptx
@@ -5,7 +5,7 @@
     <p:sldMasterId id="2147483648" r:id="rId1"/>
   </p:sldMasterIdLst>
   <p:sldIdLst>
-    <p:sldId id="3407" r:id="rId2"/>
+    <p:sldId id="3408" r:id="rId2"/>
   </p:sldIdLst>
   <p:sldSz cx="12192000" cy="6858000"/>
   <p:notesSz cx="6858000" cy="9144000"/>
@@ -129,7 +129,7 @@
           <p:cNvPr id="2" name="标题 1">
             <a:extLst>
               <a:ext uri="{FF2B5EF4-FFF2-40B4-BE49-F238E27FC236}">
-                <a16:creationId xmlns:a16="http://schemas.microsoft.com/office/drawing/2014/main" id="{106E9F7F-B8C1-12F5-1B10-DA1A72EFA838}"/>
+                <a16:creationId xmlns:a16="http://schemas.microsoft.com/office/drawing/2014/main" id="{4FBBF796-C3B3-0641-3307-BCD38C534E43}"/>
               </a:ext>
             </a:extLst>
           </p:cNvPr>
@@ -166,7 +166,7 @@
           <p:cNvPr id="3" name="副标题 2">
             <a:extLst>
               <a:ext uri="{FF2B5EF4-FFF2-40B4-BE49-F238E27FC236}">
-                <a16:creationId xmlns:a16="http://schemas.microsoft.com/office/drawing/2014/main" id="{C41DCEBA-19A9-7DAA-DF12-8EA5B28B97C6}"/>
+                <a16:creationId xmlns:a16="http://schemas.microsoft.com/office/drawing/2014/main" id="{4393C775-9DB1-226E-4740-052B12F79AA5}"/>
               </a:ext>
             </a:extLst>
           </p:cNvPr>
@@ -236,7 +236,7 @@
           <p:cNvPr id="4" name="日期占位符 3">
             <a:extLst>
               <a:ext uri="{FF2B5EF4-FFF2-40B4-BE49-F238E27FC236}">
-                <a16:creationId xmlns:a16="http://schemas.microsoft.com/office/drawing/2014/main" id="{3E4C3156-842D-90EA-BF45-AE8FB9FFF613}"/>
+                <a16:creationId xmlns:a16="http://schemas.microsoft.com/office/drawing/2014/main" id="{233A726E-73FD-79BD-275A-BA09F7F24CE7}"/>
               </a:ext>
             </a:extLst>
           </p:cNvPr>
@@ -252,7 +252,7 @@
           <a:bodyPr/>
           <a:lstStyle/>
           <a:p>
-            <a:fld id="{12316A42-816E-40BD-AC6F-B671ADEB7EDF}" type="datetimeFigureOut">
+            <a:fld id="{49600CB0-5E9F-43E8-995B-4BC93E07E9E1}" type="datetimeFigureOut">
               <a:rPr lang="zh-CN" altLang="en-US" smtClean="0"/>
               <a:t>2024/3/10</a:t>
             </a:fld>
@@ -265,7 +265,7 @@
           <p:cNvPr id="5" name="页脚占位符 4">
             <a:extLst>
               <a:ext uri="{FF2B5EF4-FFF2-40B4-BE49-F238E27FC236}">
-                <a16:creationId xmlns:a16="http://schemas.microsoft.com/office/drawing/2014/main" id="{EFB2E246-D1B5-B47C-D325-0D4ECF5EB6AF}"/>
+                <a16:creationId xmlns:a16="http://schemas.microsoft.com/office/drawing/2014/main" id="{4BAC59C3-2B30-0544-7152-6D735C3AF6FD}"/>
               </a:ext>
             </a:extLst>
           </p:cNvPr>
@@ -290,7 +290,7 @@
           <p:cNvPr id="6" name="灯片编号占位符 5">
             <a:extLst>
               <a:ext uri="{FF2B5EF4-FFF2-40B4-BE49-F238E27FC236}">
-                <a16:creationId xmlns:a16="http://schemas.microsoft.com/office/drawing/2014/main" id="{78FA3B14-5402-4B4A-B04A-854BC6056A86}"/>
+                <a16:creationId xmlns:a16="http://schemas.microsoft.com/office/drawing/2014/main" id="{724E00D4-4388-11B5-58AA-FC4C4AB12F96}"/>
               </a:ext>
             </a:extLst>
           </p:cNvPr>
@@ -306,7 +306,7 @@
           <a:bodyPr/>
           <a:lstStyle/>
           <a:p>
-            <a:fld id="{903BE7DA-89A4-4B18-8DE8-65F90C3F4FD7}" type="slidenum">
+            <a:fld id="{FC27A449-ACD3-4E1F-9792-B927A0F176C5}" type="slidenum">
               <a:rPr lang="zh-CN" altLang="en-US" smtClean="0"/>
               <a:t>‹#›</a:t>
             </a:fld>
@@ -317,7 +317,7 @@
     </p:spTree>
     <p:extLst>
       <p:ext uri="{BB962C8B-B14F-4D97-AF65-F5344CB8AC3E}">
-        <p14:creationId xmlns:p14="http://schemas.microsoft.com/office/powerpoint/2010/main" val="3582630704"/>
+        <p14:creationId xmlns:p14="http://schemas.microsoft.com/office/powerpoint/2010/main" val="3701439827"/>
       </p:ext>
     </p:extLst>
   </p:cSld>
@@ -349,7 +349,7 @@
           <p:cNvPr id="2" name="标题 1">
             <a:extLst>
               <a:ext uri="{FF2B5EF4-FFF2-40B4-BE49-F238E27FC236}">
-                <a16:creationId xmlns:a16="http://schemas.microsoft.com/office/drawing/2014/main" id="{2B3EBC1E-5845-2EAC-CB94-A9FFCA8EE3AE}"/>
+                <a16:creationId xmlns:a16="http://schemas.microsoft.com/office/drawing/2014/main" id="{DD6CADE4-D9BB-F435-3F1F-854AA489AA2A}"/>
               </a:ext>
             </a:extLst>
           </p:cNvPr>
@@ -377,7 +377,7 @@
           <p:cNvPr id="3" name="竖排文字占位符 2">
             <a:extLst>
               <a:ext uri="{FF2B5EF4-FFF2-40B4-BE49-F238E27FC236}">
-                <a16:creationId xmlns:a16="http://schemas.microsoft.com/office/drawing/2014/main" id="{44C1FD44-9771-278C-6B6C-3E663A817B96}"/>
+                <a16:creationId xmlns:a16="http://schemas.microsoft.com/office/drawing/2014/main" id="{61E0F85E-CF4C-F1CF-4A4D-E6A76B39D6CF}"/>
               </a:ext>
             </a:extLst>
           </p:cNvPr>
@@ -434,7 +434,7 @@
           <p:cNvPr id="4" name="日期占位符 3">
             <a:extLst>
               <a:ext uri="{FF2B5EF4-FFF2-40B4-BE49-F238E27FC236}">
-                <a16:creationId xmlns:a16="http://schemas.microsoft.com/office/drawing/2014/main" id="{B6007058-9C4D-63C5-AC77-84750DBB60AE}"/>
+                <a16:creationId xmlns:a16="http://schemas.microsoft.com/office/drawing/2014/main" id="{B4414C14-3C46-70FE-F9BA-D33E84469854}"/>
               </a:ext>
             </a:extLst>
           </p:cNvPr>
@@ -450,7 +450,7 @@
           <a:bodyPr/>
           <a:lstStyle/>
           <a:p>
-            <a:fld id="{12316A42-816E-40BD-AC6F-B671ADEB7EDF}" type="datetimeFigureOut">
+            <a:fld id="{49600CB0-5E9F-43E8-995B-4BC93E07E9E1}" type="datetimeFigureOut">
               <a:rPr lang="zh-CN" altLang="en-US" smtClean="0"/>
               <a:t>2024/3/10</a:t>
             </a:fld>
@@ -463,7 +463,7 @@
           <p:cNvPr id="5" name="页脚占位符 4">
             <a:extLst>
               <a:ext uri="{FF2B5EF4-FFF2-40B4-BE49-F238E27FC236}">
-                <a16:creationId xmlns:a16="http://schemas.microsoft.com/office/drawing/2014/main" id="{D6BE4C6D-76DC-361D-E151-8CFC43B7A908}"/>
+                <a16:creationId xmlns:a16="http://schemas.microsoft.com/office/drawing/2014/main" id="{C5D47400-8A38-099B-327E-349730F522BB}"/>
               </a:ext>
             </a:extLst>
           </p:cNvPr>
@@ -488,7 +488,7 @@
           <p:cNvPr id="6" name="灯片编号占位符 5">
             <a:extLst>
               <a:ext uri="{FF2B5EF4-FFF2-40B4-BE49-F238E27FC236}">
-                <a16:creationId xmlns:a16="http://schemas.microsoft.com/office/drawing/2014/main" id="{14D5E742-AB18-9A28-0410-AF8FCC0A7DC6}"/>
+                <a16:creationId xmlns:a16="http://schemas.microsoft.com/office/drawing/2014/main" id="{15E13B8C-C1D3-016A-CB64-B05F54F1955E}"/>
               </a:ext>
             </a:extLst>
           </p:cNvPr>
@@ -504,7 +504,7 @@
           <a:bodyPr/>
           <a:lstStyle/>
           <a:p>
-            <a:fld id="{903BE7DA-89A4-4B18-8DE8-65F90C3F4FD7}" type="slidenum">
+            <a:fld id="{FC27A449-ACD3-4E1F-9792-B927A0F176C5}" type="slidenum">
               <a:rPr lang="zh-CN" altLang="en-US" smtClean="0"/>
               <a:t>‹#›</a:t>
             </a:fld>
@@ -515,7 +515,7 @@
     </p:spTree>
     <p:extLst>
       <p:ext uri="{BB962C8B-B14F-4D97-AF65-F5344CB8AC3E}">
-        <p14:creationId xmlns:p14="http://schemas.microsoft.com/office/powerpoint/2010/main" val="1656269621"/>
+        <p14:creationId xmlns:p14="http://schemas.microsoft.com/office/powerpoint/2010/main" val="4209801313"/>
       </p:ext>
     </p:extLst>
   </p:cSld>
@@ -547,7 +547,7 @@
           <p:cNvPr id="2" name="竖排标题 1">
             <a:extLst>
               <a:ext uri="{FF2B5EF4-FFF2-40B4-BE49-F238E27FC236}">
-                <a16:creationId xmlns:a16="http://schemas.microsoft.com/office/drawing/2014/main" id="{D01F761C-9801-3607-B6EE-681BFDBF2695}"/>
+                <a16:creationId xmlns:a16="http://schemas.microsoft.com/office/drawing/2014/main" id="{4C69D48C-651D-560A-42DC-43D61EB7DEA0}"/>
               </a:ext>
             </a:extLst>
           </p:cNvPr>
@@ -580,7 +580,7 @@
           <p:cNvPr id="3" name="竖排文字占位符 2">
             <a:extLst>
               <a:ext uri="{FF2B5EF4-FFF2-40B4-BE49-F238E27FC236}">
-                <a16:creationId xmlns:a16="http://schemas.microsoft.com/office/drawing/2014/main" id="{05BAC825-B579-4441-F4A6-6C95BD0BDA48}"/>
+                <a16:creationId xmlns:a16="http://schemas.microsoft.com/office/drawing/2014/main" id="{E32B72A6-5CC3-1DFB-FC00-A3D87CE8D3B1}"/>
               </a:ext>
             </a:extLst>
           </p:cNvPr>
@@ -642,7 +642,7 @@
           <p:cNvPr id="4" name="日期占位符 3">
             <a:extLst>
               <a:ext uri="{FF2B5EF4-FFF2-40B4-BE49-F238E27FC236}">
-                <a16:creationId xmlns:a16="http://schemas.microsoft.com/office/drawing/2014/main" id="{F9A1A598-3BAC-58EB-35FC-CF3C233D08F5}"/>
+                <a16:creationId xmlns:a16="http://schemas.microsoft.com/office/drawing/2014/main" id="{42267BCE-53E0-D8EF-437D-85D2D52D6D21}"/>
               </a:ext>
             </a:extLst>
           </p:cNvPr>
@@ -658,7 +658,7 @@
           <a:bodyPr/>
           <a:lstStyle/>
           <a:p>
-            <a:fld id="{12316A42-816E-40BD-AC6F-B671ADEB7EDF}" type="datetimeFigureOut">
+            <a:fld id="{49600CB0-5E9F-43E8-995B-4BC93E07E9E1}" type="datetimeFigureOut">
               <a:rPr lang="zh-CN" altLang="en-US" smtClean="0"/>
               <a:t>2024/3/10</a:t>
             </a:fld>
@@ -671,7 +671,7 @@
           <p:cNvPr id="5" name="页脚占位符 4">
             <a:extLst>
               <a:ext uri="{FF2B5EF4-FFF2-40B4-BE49-F238E27FC236}">
-                <a16:creationId xmlns:a16="http://schemas.microsoft.com/office/drawing/2014/main" id="{D7802E34-E73F-47C6-D005-FD511605B776}"/>
+                <a16:creationId xmlns:a16="http://schemas.microsoft.com/office/drawing/2014/main" id="{305A0A55-7D08-B691-F850-FAC2367CABB0}"/>
               </a:ext>
             </a:extLst>
           </p:cNvPr>
@@ -696,7 +696,7 @@
           <p:cNvPr id="6" name="灯片编号占位符 5">
             <a:extLst>
               <a:ext uri="{FF2B5EF4-FFF2-40B4-BE49-F238E27FC236}">
-                <a16:creationId xmlns:a16="http://schemas.microsoft.com/office/drawing/2014/main" id="{3DDC5F97-0F47-784A-BC99-3EFF0D3F3854}"/>
+                <a16:creationId xmlns:a16="http://schemas.microsoft.com/office/drawing/2014/main" id="{2F4D2CC2-605C-EBDC-EBB4-D3D25AFC1258}"/>
               </a:ext>
             </a:extLst>
           </p:cNvPr>
@@ -712,7 +712,7 @@
           <a:bodyPr/>
           <a:lstStyle/>
           <a:p>
-            <a:fld id="{903BE7DA-89A4-4B18-8DE8-65F90C3F4FD7}" type="slidenum">
+            <a:fld id="{FC27A449-ACD3-4E1F-9792-B927A0F176C5}" type="slidenum">
               <a:rPr lang="zh-CN" altLang="en-US" smtClean="0"/>
               <a:t>‹#›</a:t>
             </a:fld>
@@ -723,7 +723,7 @@
     </p:spTree>
     <p:extLst>
       <p:ext uri="{BB962C8B-B14F-4D97-AF65-F5344CB8AC3E}">
-        <p14:creationId xmlns:p14="http://schemas.microsoft.com/office/powerpoint/2010/main" val="2028093551"/>
+        <p14:creationId xmlns:p14="http://schemas.microsoft.com/office/powerpoint/2010/main" val="3273193367"/>
       </p:ext>
     </p:extLst>
   </p:cSld>
@@ -755,7 +755,7 @@
           <p:cNvPr id="2" name="标题 1">
             <a:extLst>
               <a:ext uri="{FF2B5EF4-FFF2-40B4-BE49-F238E27FC236}">
-                <a16:creationId xmlns:a16="http://schemas.microsoft.com/office/drawing/2014/main" id="{4F73F0F0-C402-5172-603E-7E57D4A9E7E5}"/>
+                <a16:creationId xmlns:a16="http://schemas.microsoft.com/office/drawing/2014/main" id="{7A8E521A-F408-8F02-8405-243E67390A51}"/>
               </a:ext>
             </a:extLst>
           </p:cNvPr>
@@ -783,7 +783,7 @@
           <p:cNvPr id="3" name="内容占位符 2">
             <a:extLst>
               <a:ext uri="{FF2B5EF4-FFF2-40B4-BE49-F238E27FC236}">
-                <a16:creationId xmlns:a16="http://schemas.microsoft.com/office/drawing/2014/main" id="{BE40013B-249D-3D1A-0A6B-70F35C2A1AF3}"/>
+                <a16:creationId xmlns:a16="http://schemas.microsoft.com/office/drawing/2014/main" id="{3ED397FF-74C1-E73B-55CB-E1B86AE9E2CE}"/>
               </a:ext>
             </a:extLst>
           </p:cNvPr>
@@ -840,7 +840,7 @@
           <p:cNvPr id="4" name="日期占位符 3">
             <a:extLst>
               <a:ext uri="{FF2B5EF4-FFF2-40B4-BE49-F238E27FC236}">
-                <a16:creationId xmlns:a16="http://schemas.microsoft.com/office/drawing/2014/main" id="{80318743-DDE1-4473-9DFF-ADE9EA3101C0}"/>
+                <a16:creationId xmlns:a16="http://schemas.microsoft.com/office/drawing/2014/main" id="{D8895264-F24D-3BAE-6549-E857BFE865D9}"/>
               </a:ext>
             </a:extLst>
           </p:cNvPr>
@@ -856,7 +856,7 @@
           <a:bodyPr/>
           <a:lstStyle/>
           <a:p>
-            <a:fld id="{12316A42-816E-40BD-AC6F-B671ADEB7EDF}" type="datetimeFigureOut">
+            <a:fld id="{49600CB0-5E9F-43E8-995B-4BC93E07E9E1}" type="datetimeFigureOut">
               <a:rPr lang="zh-CN" altLang="en-US" smtClean="0"/>
               <a:t>2024/3/10</a:t>
             </a:fld>
@@ -869,7 +869,7 @@
           <p:cNvPr id="5" name="页脚占位符 4">
             <a:extLst>
               <a:ext uri="{FF2B5EF4-FFF2-40B4-BE49-F238E27FC236}">
-                <a16:creationId xmlns:a16="http://schemas.microsoft.com/office/drawing/2014/main" id="{F095DB9D-4AE8-2306-ECE9-A2EC36B659C6}"/>
+                <a16:creationId xmlns:a16="http://schemas.microsoft.com/office/drawing/2014/main" id="{019E8203-53C2-6585-1241-ECF14567EB26}"/>
               </a:ext>
             </a:extLst>
           </p:cNvPr>
@@ -894,7 +894,7 @@
           <p:cNvPr id="6" name="灯片编号占位符 5">
             <a:extLst>
               <a:ext uri="{FF2B5EF4-FFF2-40B4-BE49-F238E27FC236}">
-                <a16:creationId xmlns:a16="http://schemas.microsoft.com/office/drawing/2014/main" id="{178BBDCF-BD44-44F7-1A09-F1AEBAE5B8D0}"/>
+                <a16:creationId xmlns:a16="http://schemas.microsoft.com/office/drawing/2014/main" id="{F0DE8C39-E489-A3DF-1D6E-EA3832DD800F}"/>
               </a:ext>
             </a:extLst>
           </p:cNvPr>
@@ -910,7 +910,7 @@
           <a:bodyPr/>
           <a:lstStyle/>
           <a:p>
-            <a:fld id="{903BE7DA-89A4-4B18-8DE8-65F90C3F4FD7}" type="slidenum">
+            <a:fld id="{FC27A449-ACD3-4E1F-9792-B927A0F176C5}" type="slidenum">
               <a:rPr lang="zh-CN" altLang="en-US" smtClean="0"/>
               <a:t>‹#›</a:t>
             </a:fld>
@@ -921,7 +921,7 @@
     </p:spTree>
     <p:extLst>
       <p:ext uri="{BB962C8B-B14F-4D97-AF65-F5344CB8AC3E}">
-        <p14:creationId xmlns:p14="http://schemas.microsoft.com/office/powerpoint/2010/main" val="3392141607"/>
+        <p14:creationId xmlns:p14="http://schemas.microsoft.com/office/powerpoint/2010/main" val="188423101"/>
       </p:ext>
     </p:extLst>
   </p:cSld>
@@ -953,7 +953,7 @@
           <p:cNvPr id="2" name="标题 1">
             <a:extLst>
               <a:ext uri="{FF2B5EF4-FFF2-40B4-BE49-F238E27FC236}">
-                <a16:creationId xmlns:a16="http://schemas.microsoft.com/office/drawing/2014/main" id="{0C90A0C0-81DD-6F79-2E89-1F3174B72338}"/>
+                <a16:creationId xmlns:a16="http://schemas.microsoft.com/office/drawing/2014/main" id="{F22F3068-1E76-03EC-4238-DC2BA468B293}"/>
               </a:ext>
             </a:extLst>
           </p:cNvPr>
@@ -990,7 +990,7 @@
           <p:cNvPr id="3" name="文本占位符 2">
             <a:extLst>
               <a:ext uri="{FF2B5EF4-FFF2-40B4-BE49-F238E27FC236}">
-                <a16:creationId xmlns:a16="http://schemas.microsoft.com/office/drawing/2014/main" id="{C39E21B1-855A-7DD0-D5F6-8D9AA0A3B5F7}"/>
+                <a16:creationId xmlns:a16="http://schemas.microsoft.com/office/drawing/2014/main" id="{15706A08-7000-40EA-A3D8-19AC0F4BA556}"/>
               </a:ext>
             </a:extLst>
           </p:cNvPr>
@@ -1115,7 +1115,7 @@
           <p:cNvPr id="4" name="日期占位符 3">
             <a:extLst>
               <a:ext uri="{FF2B5EF4-FFF2-40B4-BE49-F238E27FC236}">
-                <a16:creationId xmlns:a16="http://schemas.microsoft.com/office/drawing/2014/main" id="{2CBAF205-412C-70E3-E9F1-5EC2240428F5}"/>
+                <a16:creationId xmlns:a16="http://schemas.microsoft.com/office/drawing/2014/main" id="{9A1B3826-6520-1838-3046-4E38E75A89A3}"/>
               </a:ext>
             </a:extLst>
           </p:cNvPr>
@@ -1131,7 +1131,7 @@
           <a:bodyPr/>
           <a:lstStyle/>
           <a:p>
-            <a:fld id="{12316A42-816E-40BD-AC6F-B671ADEB7EDF}" type="datetimeFigureOut">
+            <a:fld id="{49600CB0-5E9F-43E8-995B-4BC93E07E9E1}" type="datetimeFigureOut">
               <a:rPr lang="zh-CN" altLang="en-US" smtClean="0"/>
               <a:t>2024/3/10</a:t>
             </a:fld>
@@ -1144,7 +1144,7 @@
           <p:cNvPr id="5" name="页脚占位符 4">
             <a:extLst>
               <a:ext uri="{FF2B5EF4-FFF2-40B4-BE49-F238E27FC236}">
-                <a16:creationId xmlns:a16="http://schemas.microsoft.com/office/drawing/2014/main" id="{38B33B0C-63BA-E683-D4A5-0863D11D983D}"/>
+                <a16:creationId xmlns:a16="http://schemas.microsoft.com/office/drawing/2014/main" id="{BFADA34A-0CBF-B058-E0CE-EF78734875F0}"/>
               </a:ext>
             </a:extLst>
           </p:cNvPr>
@@ -1169,7 +1169,7 @@
           <p:cNvPr id="6" name="灯片编号占位符 5">
             <a:extLst>
               <a:ext uri="{FF2B5EF4-FFF2-40B4-BE49-F238E27FC236}">
-                <a16:creationId xmlns:a16="http://schemas.microsoft.com/office/drawing/2014/main" id="{69949BDD-A8B0-C7D3-A3C1-06C70AFB0BE5}"/>
+                <a16:creationId xmlns:a16="http://schemas.microsoft.com/office/drawing/2014/main" id="{03DE6843-9820-6F4E-1687-1438A787DD90}"/>
               </a:ext>
             </a:extLst>
           </p:cNvPr>
@@ -1185,7 +1185,7 @@
           <a:bodyPr/>
           <a:lstStyle/>
           <a:p>
-            <a:fld id="{903BE7DA-89A4-4B18-8DE8-65F90C3F4FD7}" type="slidenum">
+            <a:fld id="{FC27A449-ACD3-4E1F-9792-B927A0F176C5}" type="slidenum">
               <a:rPr lang="zh-CN" altLang="en-US" smtClean="0"/>
               <a:t>‹#›</a:t>
             </a:fld>
@@ -1196,7 +1196,7 @@
     </p:spTree>
     <p:extLst>
       <p:ext uri="{BB962C8B-B14F-4D97-AF65-F5344CB8AC3E}">
-        <p14:creationId xmlns:p14="http://schemas.microsoft.com/office/powerpoint/2010/main" val="3278733792"/>
+        <p14:creationId xmlns:p14="http://schemas.microsoft.com/office/powerpoint/2010/main" val="255508415"/>
       </p:ext>
     </p:extLst>
   </p:cSld>
@@ -1228,7 +1228,7 @@
           <p:cNvPr id="2" name="标题 1">
             <a:extLst>
               <a:ext uri="{FF2B5EF4-FFF2-40B4-BE49-F238E27FC236}">
-                <a16:creationId xmlns:a16="http://schemas.microsoft.com/office/drawing/2014/main" id="{1E125CB1-A2BF-0F33-1A7D-BB2A8C0EFCEA}"/>
+                <a16:creationId xmlns:a16="http://schemas.microsoft.com/office/drawing/2014/main" id="{77FCB7A8-DB54-F5E7-19EA-9BB2143AB18C}"/>
               </a:ext>
             </a:extLst>
           </p:cNvPr>
@@ -1256,7 +1256,7 @@
           <p:cNvPr id="3" name="内容占位符 2">
             <a:extLst>
               <a:ext uri="{FF2B5EF4-FFF2-40B4-BE49-F238E27FC236}">
-                <a16:creationId xmlns:a16="http://schemas.microsoft.com/office/drawing/2014/main" id="{C5411896-BB3C-3869-AF62-B0CE9659F71E}"/>
+                <a16:creationId xmlns:a16="http://schemas.microsoft.com/office/drawing/2014/main" id="{9BDB7F5A-9B7D-1A73-3BDD-07B50CA022EB}"/>
               </a:ext>
             </a:extLst>
           </p:cNvPr>
@@ -1318,7 +1318,7 @@
           <p:cNvPr id="4" name="内容占位符 3">
             <a:extLst>
               <a:ext uri="{FF2B5EF4-FFF2-40B4-BE49-F238E27FC236}">
-                <a16:creationId xmlns:a16="http://schemas.microsoft.com/office/drawing/2014/main" id="{92BF4425-5B0E-52C4-AA80-BFB86E30A9A9}"/>
+                <a16:creationId xmlns:a16="http://schemas.microsoft.com/office/drawing/2014/main" id="{071410EE-C1B6-7A35-295C-CC2BB80BC04B}"/>
               </a:ext>
             </a:extLst>
           </p:cNvPr>
@@ -1380,7 +1380,7 @@
           <p:cNvPr id="5" name="日期占位符 4">
             <a:extLst>
               <a:ext uri="{FF2B5EF4-FFF2-40B4-BE49-F238E27FC236}">
-                <a16:creationId xmlns:a16="http://schemas.microsoft.com/office/drawing/2014/main" id="{D4A8D1E9-BB8F-CDEF-DDBA-A30B6740FC3B}"/>
+                <a16:creationId xmlns:a16="http://schemas.microsoft.com/office/drawing/2014/main" id="{B52B3533-E4E9-9CE8-DAFE-A8733CF5BF50}"/>
               </a:ext>
             </a:extLst>
           </p:cNvPr>
@@ -1396,7 +1396,7 @@
           <a:bodyPr/>
           <a:lstStyle/>
           <a:p>
-            <a:fld id="{12316A42-816E-40BD-AC6F-B671ADEB7EDF}" type="datetimeFigureOut">
+            <a:fld id="{49600CB0-5E9F-43E8-995B-4BC93E07E9E1}" type="datetimeFigureOut">
               <a:rPr lang="zh-CN" altLang="en-US" smtClean="0"/>
               <a:t>2024/3/10</a:t>
             </a:fld>
@@ -1409,7 +1409,7 @@
           <p:cNvPr id="6" name="页脚占位符 5">
             <a:extLst>
               <a:ext uri="{FF2B5EF4-FFF2-40B4-BE49-F238E27FC236}">
-                <a16:creationId xmlns:a16="http://schemas.microsoft.com/office/drawing/2014/main" id="{E6B0C22D-FFC3-1382-0C1D-A2E12B70949C}"/>
+                <a16:creationId xmlns:a16="http://schemas.microsoft.com/office/drawing/2014/main" id="{C7354BD1-23E6-F9E6-E7FB-0E196650BEFE}"/>
               </a:ext>
             </a:extLst>
           </p:cNvPr>
@@ -1434,7 +1434,7 @@
           <p:cNvPr id="7" name="灯片编号占位符 6">
             <a:extLst>
               <a:ext uri="{FF2B5EF4-FFF2-40B4-BE49-F238E27FC236}">
-                <a16:creationId xmlns:a16="http://schemas.microsoft.com/office/drawing/2014/main" id="{B05B1F95-BB2D-E070-8712-A3CD2F67A6D9}"/>
+                <a16:creationId xmlns:a16="http://schemas.microsoft.com/office/drawing/2014/main" id="{47FAB00F-BE5F-D38C-23A6-2EDEE8714B18}"/>
               </a:ext>
             </a:extLst>
           </p:cNvPr>
@@ -1450,7 +1450,7 @@
           <a:bodyPr/>
           <a:lstStyle/>
           <a:p>
-            <a:fld id="{903BE7DA-89A4-4B18-8DE8-65F90C3F4FD7}" type="slidenum">
+            <a:fld id="{FC27A449-ACD3-4E1F-9792-B927A0F176C5}" type="slidenum">
               <a:rPr lang="zh-CN" altLang="en-US" smtClean="0"/>
               <a:t>‹#›</a:t>
             </a:fld>
@@ -1461,7 +1461,7 @@
     </p:spTree>
     <p:extLst>
       <p:ext uri="{BB962C8B-B14F-4D97-AF65-F5344CB8AC3E}">
-        <p14:creationId xmlns:p14="http://schemas.microsoft.com/office/powerpoint/2010/main" val="3761198148"/>
+        <p14:creationId xmlns:p14="http://schemas.microsoft.com/office/powerpoint/2010/main" val="4203186638"/>
       </p:ext>
     </p:extLst>
   </p:cSld>
@@ -1493,7 +1493,7 @@
           <p:cNvPr id="2" name="标题 1">
             <a:extLst>
               <a:ext uri="{FF2B5EF4-FFF2-40B4-BE49-F238E27FC236}">
-                <a16:creationId xmlns:a16="http://schemas.microsoft.com/office/drawing/2014/main" id="{714EECF6-7735-686E-2D4A-2C7A0CF386A3}"/>
+                <a16:creationId xmlns:a16="http://schemas.microsoft.com/office/drawing/2014/main" id="{56AAD9A0-9739-9FA5-F84D-2875CBADBBD8}"/>
               </a:ext>
             </a:extLst>
           </p:cNvPr>
@@ -1526,7 +1526,7 @@
           <p:cNvPr id="3" name="文本占位符 2">
             <a:extLst>
               <a:ext uri="{FF2B5EF4-FFF2-40B4-BE49-F238E27FC236}">
-                <a16:creationId xmlns:a16="http://schemas.microsoft.com/office/drawing/2014/main" id="{43736507-2A70-EC35-A4A6-504DA30C48CF}"/>
+                <a16:creationId xmlns:a16="http://schemas.microsoft.com/office/drawing/2014/main" id="{D8273C23-E89B-A258-729C-D0C269A11AB3}"/>
               </a:ext>
             </a:extLst>
           </p:cNvPr>
@@ -1597,7 +1597,7 @@
           <p:cNvPr id="4" name="内容占位符 3">
             <a:extLst>
               <a:ext uri="{FF2B5EF4-FFF2-40B4-BE49-F238E27FC236}">
-                <a16:creationId xmlns:a16="http://schemas.microsoft.com/office/drawing/2014/main" id="{3A88442D-E4D9-BC6E-E4D2-C38685F092FB}"/>
+                <a16:creationId xmlns:a16="http://schemas.microsoft.com/office/drawing/2014/main" id="{A92C097F-9152-A391-5FF5-32928ABEC09C}"/>
               </a:ext>
             </a:extLst>
           </p:cNvPr>
@@ -1659,7 +1659,7 @@
           <p:cNvPr id="5" name="文本占位符 4">
             <a:extLst>
               <a:ext uri="{FF2B5EF4-FFF2-40B4-BE49-F238E27FC236}">
-                <a16:creationId xmlns:a16="http://schemas.microsoft.com/office/drawing/2014/main" id="{9519F5CD-A89D-2095-BF8F-1FE44989328E}"/>
+                <a16:creationId xmlns:a16="http://schemas.microsoft.com/office/drawing/2014/main" id="{8A53C3BF-D08E-6E8E-FC9D-E8D5FDE9DDC7}"/>
               </a:ext>
             </a:extLst>
           </p:cNvPr>
@@ -1730,7 +1730,7 @@
           <p:cNvPr id="6" name="内容占位符 5">
             <a:extLst>
               <a:ext uri="{FF2B5EF4-FFF2-40B4-BE49-F238E27FC236}">
-                <a16:creationId xmlns:a16="http://schemas.microsoft.com/office/drawing/2014/main" id="{AFF0DA11-B999-4E62-43D5-1297C7775A13}"/>
+                <a16:creationId xmlns:a16="http://schemas.microsoft.com/office/drawing/2014/main" id="{D2D53F58-DC22-BDE2-D08D-2301297061B0}"/>
               </a:ext>
             </a:extLst>
           </p:cNvPr>
@@ -1792,7 +1792,7 @@
           <p:cNvPr id="7" name="日期占位符 6">
             <a:extLst>
               <a:ext uri="{FF2B5EF4-FFF2-40B4-BE49-F238E27FC236}">
-                <a16:creationId xmlns:a16="http://schemas.microsoft.com/office/drawing/2014/main" id="{E90A46B0-ADD6-689F-7672-687F89774E4B}"/>
+                <a16:creationId xmlns:a16="http://schemas.microsoft.com/office/drawing/2014/main" id="{D66F37B6-1B95-9913-946F-ADEFA49E37AB}"/>
               </a:ext>
             </a:extLst>
           </p:cNvPr>
@@ -1808,7 +1808,7 @@
           <a:bodyPr/>
           <a:lstStyle/>
           <a:p>
-            <a:fld id="{12316A42-816E-40BD-AC6F-B671ADEB7EDF}" type="datetimeFigureOut">
+            <a:fld id="{49600CB0-5E9F-43E8-995B-4BC93E07E9E1}" type="datetimeFigureOut">
               <a:rPr lang="zh-CN" altLang="en-US" smtClean="0"/>
               <a:t>2024/3/10</a:t>
             </a:fld>
@@ -1821,7 +1821,7 @@
           <p:cNvPr id="8" name="页脚占位符 7">
             <a:extLst>
               <a:ext uri="{FF2B5EF4-FFF2-40B4-BE49-F238E27FC236}">
-                <a16:creationId xmlns:a16="http://schemas.microsoft.com/office/drawing/2014/main" id="{2B5D4D9B-0B4C-1A0F-F7B7-5DACD66E3EA4}"/>
+                <a16:creationId xmlns:a16="http://schemas.microsoft.com/office/drawing/2014/main" id="{8786E384-1F63-DDB4-4BD8-94B91557DECF}"/>
               </a:ext>
             </a:extLst>
           </p:cNvPr>
@@ -1846,7 +1846,7 @@
           <p:cNvPr id="9" name="灯片编号占位符 8">
             <a:extLst>
               <a:ext uri="{FF2B5EF4-FFF2-40B4-BE49-F238E27FC236}">
-                <a16:creationId xmlns:a16="http://schemas.microsoft.com/office/drawing/2014/main" id="{6CA465FD-C303-7789-03B1-26EEB5696E29}"/>
+                <a16:creationId xmlns:a16="http://schemas.microsoft.com/office/drawing/2014/main" id="{845C1F08-07B9-2E6A-B713-E1B9BDDA6C06}"/>
               </a:ext>
             </a:extLst>
           </p:cNvPr>
@@ -1862,7 +1862,7 @@
           <a:bodyPr/>
           <a:lstStyle/>
           <a:p>
-            <a:fld id="{903BE7DA-89A4-4B18-8DE8-65F90C3F4FD7}" type="slidenum">
+            <a:fld id="{FC27A449-ACD3-4E1F-9792-B927A0F176C5}" type="slidenum">
               <a:rPr lang="zh-CN" altLang="en-US" smtClean="0"/>
               <a:t>‹#›</a:t>
             </a:fld>
@@ -1873,7 +1873,7 @@
     </p:spTree>
     <p:extLst>
       <p:ext uri="{BB962C8B-B14F-4D97-AF65-F5344CB8AC3E}">
-        <p14:creationId xmlns:p14="http://schemas.microsoft.com/office/powerpoint/2010/main" val="3895606894"/>
+        <p14:creationId xmlns:p14="http://schemas.microsoft.com/office/powerpoint/2010/main" val="1871287526"/>
       </p:ext>
     </p:extLst>
   </p:cSld>
@@ -1905,7 +1905,7 @@
           <p:cNvPr id="2" name="标题 1">
             <a:extLst>
               <a:ext uri="{FF2B5EF4-FFF2-40B4-BE49-F238E27FC236}">
-                <a16:creationId xmlns:a16="http://schemas.microsoft.com/office/drawing/2014/main" id="{E6FACD93-21F6-0AF0-8878-F872015762F0}"/>
+                <a16:creationId xmlns:a16="http://schemas.microsoft.com/office/drawing/2014/main" id="{F2D9AB84-1AD1-E53C-5B52-1AFF820F640B}"/>
               </a:ext>
             </a:extLst>
           </p:cNvPr>
@@ -1933,7 +1933,7 @@
           <p:cNvPr id="3" name="日期占位符 2">
             <a:extLst>
               <a:ext uri="{FF2B5EF4-FFF2-40B4-BE49-F238E27FC236}">
-                <a16:creationId xmlns:a16="http://schemas.microsoft.com/office/drawing/2014/main" id="{14D02458-F325-7978-BE90-FAEDE915BAE9}"/>
+                <a16:creationId xmlns:a16="http://schemas.microsoft.com/office/drawing/2014/main" id="{292998D0-BD50-5A8A-4573-820DDD9499F7}"/>
               </a:ext>
             </a:extLst>
           </p:cNvPr>
@@ -1949,7 +1949,7 @@
           <a:bodyPr/>
           <a:lstStyle/>
           <a:p>
-            <a:fld id="{12316A42-816E-40BD-AC6F-B671ADEB7EDF}" type="datetimeFigureOut">
+            <a:fld id="{49600CB0-5E9F-43E8-995B-4BC93E07E9E1}" type="datetimeFigureOut">
               <a:rPr lang="zh-CN" altLang="en-US" smtClean="0"/>
               <a:t>2024/3/10</a:t>
             </a:fld>
@@ -1962,7 +1962,7 @@
           <p:cNvPr id="4" name="页脚占位符 3">
             <a:extLst>
               <a:ext uri="{FF2B5EF4-FFF2-40B4-BE49-F238E27FC236}">
-                <a16:creationId xmlns:a16="http://schemas.microsoft.com/office/drawing/2014/main" id="{F4620895-78B2-613E-0393-D8FABD81F01D}"/>
+                <a16:creationId xmlns:a16="http://schemas.microsoft.com/office/drawing/2014/main" id="{A2F0EBAE-1201-615E-1848-A088663BF1B3}"/>
               </a:ext>
             </a:extLst>
           </p:cNvPr>
@@ -1987,7 +1987,7 @@
           <p:cNvPr id="5" name="灯片编号占位符 4">
             <a:extLst>
               <a:ext uri="{FF2B5EF4-FFF2-40B4-BE49-F238E27FC236}">
-                <a16:creationId xmlns:a16="http://schemas.microsoft.com/office/drawing/2014/main" id="{C61DFBFC-78D7-E4FC-6167-DCF80948EE40}"/>
+                <a16:creationId xmlns:a16="http://schemas.microsoft.com/office/drawing/2014/main" id="{DE2E4D22-5492-D3B9-25E9-BDD7336B1BEC}"/>
               </a:ext>
             </a:extLst>
           </p:cNvPr>
@@ -2003,7 +2003,7 @@
           <a:bodyPr/>
           <a:lstStyle/>
           <a:p>
-            <a:fld id="{903BE7DA-89A4-4B18-8DE8-65F90C3F4FD7}" type="slidenum">
+            <a:fld id="{FC27A449-ACD3-4E1F-9792-B927A0F176C5}" type="slidenum">
               <a:rPr lang="zh-CN" altLang="en-US" smtClean="0"/>
               <a:t>‹#›</a:t>
             </a:fld>
@@ -2014,7 +2014,7 @@
     </p:spTree>
     <p:extLst>
       <p:ext uri="{BB962C8B-B14F-4D97-AF65-F5344CB8AC3E}">
-        <p14:creationId xmlns:p14="http://schemas.microsoft.com/office/powerpoint/2010/main" val="2860055324"/>
+        <p14:creationId xmlns:p14="http://schemas.microsoft.com/office/powerpoint/2010/main" val="1223588956"/>
       </p:ext>
     </p:extLst>
   </p:cSld>
@@ -2046,7 +2046,7 @@
           <p:cNvPr id="2" name="日期占位符 1">
             <a:extLst>
               <a:ext uri="{FF2B5EF4-FFF2-40B4-BE49-F238E27FC236}">
-                <a16:creationId xmlns:a16="http://schemas.microsoft.com/office/drawing/2014/main" id="{16075901-38F9-C2A9-FB2A-15E261F782C6}"/>
+                <a16:creationId xmlns:a16="http://schemas.microsoft.com/office/drawing/2014/main" id="{88B4F232-D897-211E-9A20-B13C31EFE8EB}"/>
               </a:ext>
             </a:extLst>
           </p:cNvPr>
@@ -2062,7 +2062,7 @@
           <a:bodyPr/>
           <a:lstStyle/>
           <a:p>
-            <a:fld id="{12316A42-816E-40BD-AC6F-B671ADEB7EDF}" type="datetimeFigureOut">
+            <a:fld id="{49600CB0-5E9F-43E8-995B-4BC93E07E9E1}" type="datetimeFigureOut">
               <a:rPr lang="zh-CN" altLang="en-US" smtClean="0"/>
               <a:t>2024/3/10</a:t>
             </a:fld>
@@ -2075,7 +2075,7 @@
           <p:cNvPr id="3" name="页脚占位符 2">
             <a:extLst>
               <a:ext uri="{FF2B5EF4-FFF2-40B4-BE49-F238E27FC236}">
-                <a16:creationId xmlns:a16="http://schemas.microsoft.com/office/drawing/2014/main" id="{6D44FBD6-74DC-6F1E-B22C-F6CC842A53D5}"/>
+                <a16:creationId xmlns:a16="http://schemas.microsoft.com/office/drawing/2014/main" id="{503004EA-CE5C-98E1-4C7A-9983121580FA}"/>
               </a:ext>
             </a:extLst>
           </p:cNvPr>
@@ -2100,7 +2100,7 @@
           <p:cNvPr id="4" name="灯片编号占位符 3">
             <a:extLst>
               <a:ext uri="{FF2B5EF4-FFF2-40B4-BE49-F238E27FC236}">
-                <a16:creationId xmlns:a16="http://schemas.microsoft.com/office/drawing/2014/main" id="{D0AD1B18-E968-0F11-AC0E-12167C7786C0}"/>
+                <a16:creationId xmlns:a16="http://schemas.microsoft.com/office/drawing/2014/main" id="{B266BE2C-C5C6-8F3F-805B-9FCAA9E26B1F}"/>
               </a:ext>
             </a:extLst>
           </p:cNvPr>
@@ -2116,7 +2116,7 @@
           <a:bodyPr/>
           <a:lstStyle/>
           <a:p>
-            <a:fld id="{903BE7DA-89A4-4B18-8DE8-65F90C3F4FD7}" type="slidenum">
+            <a:fld id="{FC27A449-ACD3-4E1F-9792-B927A0F176C5}" type="slidenum">
               <a:rPr lang="zh-CN" altLang="en-US" smtClean="0"/>
               <a:t>‹#›</a:t>
             </a:fld>
@@ -2127,7 +2127,7 @@
     </p:spTree>
     <p:extLst>
       <p:ext uri="{BB962C8B-B14F-4D97-AF65-F5344CB8AC3E}">
-        <p14:creationId xmlns:p14="http://schemas.microsoft.com/office/powerpoint/2010/main" val="723874325"/>
+        <p14:creationId xmlns:p14="http://schemas.microsoft.com/office/powerpoint/2010/main" val="3797007174"/>
       </p:ext>
     </p:extLst>
   </p:cSld>
@@ -2159,7 +2159,7 @@
           <p:cNvPr id="2" name="标题 1">
             <a:extLst>
               <a:ext uri="{FF2B5EF4-FFF2-40B4-BE49-F238E27FC236}">
-                <a16:creationId xmlns:a16="http://schemas.microsoft.com/office/drawing/2014/main" id="{B4093DEA-168E-E4F3-59A4-96A42EB9CED5}"/>
+                <a16:creationId xmlns:a16="http://schemas.microsoft.com/office/drawing/2014/main" id="{5AD98B70-928A-45FF-B83E-5E834D58FE87}"/>
               </a:ext>
             </a:extLst>
           </p:cNvPr>
@@ -2196,7 +2196,7 @@
           <p:cNvPr id="3" name="内容占位符 2">
             <a:extLst>
               <a:ext uri="{FF2B5EF4-FFF2-40B4-BE49-F238E27FC236}">
-                <a16:creationId xmlns:a16="http://schemas.microsoft.com/office/drawing/2014/main" id="{094D597C-9623-CDFA-68C8-7FCEEBA62868}"/>
+                <a16:creationId xmlns:a16="http://schemas.microsoft.com/office/drawing/2014/main" id="{958F3DED-0080-AC9A-1295-0B5398F25401}"/>
               </a:ext>
             </a:extLst>
           </p:cNvPr>
@@ -2286,7 +2286,7 @@
           <p:cNvPr id="4" name="文本占位符 3">
             <a:extLst>
               <a:ext uri="{FF2B5EF4-FFF2-40B4-BE49-F238E27FC236}">
-                <a16:creationId xmlns:a16="http://schemas.microsoft.com/office/drawing/2014/main" id="{E162199D-397F-A13A-2EDD-D3A23C43714C}"/>
+                <a16:creationId xmlns:a16="http://schemas.microsoft.com/office/drawing/2014/main" id="{0067C591-3FF8-542C-27AB-99B6DBE12161}"/>
               </a:ext>
             </a:extLst>
           </p:cNvPr>
@@ -2357,7 +2357,7 @@
           <p:cNvPr id="5" name="日期占位符 4">
             <a:extLst>
               <a:ext uri="{FF2B5EF4-FFF2-40B4-BE49-F238E27FC236}">
-                <a16:creationId xmlns:a16="http://schemas.microsoft.com/office/drawing/2014/main" id="{3824ADFC-4F4B-5318-E1EB-49FEF73A5CB9}"/>
+                <a16:creationId xmlns:a16="http://schemas.microsoft.com/office/drawing/2014/main" id="{8C0B3C55-6892-B752-D9A3-29E52558D156}"/>
               </a:ext>
             </a:extLst>
           </p:cNvPr>
@@ -2373,7 +2373,7 @@
           <a:bodyPr/>
           <a:lstStyle/>
           <a:p>
-            <a:fld id="{12316A42-816E-40BD-AC6F-B671ADEB7EDF}" type="datetimeFigureOut">
+            <a:fld id="{49600CB0-5E9F-43E8-995B-4BC93E07E9E1}" type="datetimeFigureOut">
               <a:rPr lang="zh-CN" altLang="en-US" smtClean="0"/>
               <a:t>2024/3/10</a:t>
             </a:fld>
@@ -2386,7 +2386,7 @@
           <p:cNvPr id="6" name="页脚占位符 5">
             <a:extLst>
               <a:ext uri="{FF2B5EF4-FFF2-40B4-BE49-F238E27FC236}">
-                <a16:creationId xmlns:a16="http://schemas.microsoft.com/office/drawing/2014/main" id="{6ECE4CD2-1DBA-9525-5E09-69A7C4224748}"/>
+                <a16:creationId xmlns:a16="http://schemas.microsoft.com/office/drawing/2014/main" id="{A98F77D5-C05E-CC1D-0289-1837DD38FC39}"/>
               </a:ext>
             </a:extLst>
           </p:cNvPr>
@@ -2411,7 +2411,7 @@
           <p:cNvPr id="7" name="灯片编号占位符 6">
             <a:extLst>
               <a:ext uri="{FF2B5EF4-FFF2-40B4-BE49-F238E27FC236}">
-                <a16:creationId xmlns:a16="http://schemas.microsoft.com/office/drawing/2014/main" id="{96A24DD2-085A-72B1-ECB5-7BBA179FE24E}"/>
+                <a16:creationId xmlns:a16="http://schemas.microsoft.com/office/drawing/2014/main" id="{78F3479E-BF5A-BEFE-3379-3850F5DEA2A1}"/>
               </a:ext>
             </a:extLst>
           </p:cNvPr>
@@ -2427,7 +2427,7 @@
           <a:bodyPr/>
           <a:lstStyle/>
           <a:p>
-            <a:fld id="{903BE7DA-89A4-4B18-8DE8-65F90C3F4FD7}" type="slidenum">
+            <a:fld id="{FC27A449-ACD3-4E1F-9792-B927A0F176C5}" type="slidenum">
               <a:rPr lang="zh-CN" altLang="en-US" smtClean="0"/>
               <a:t>‹#›</a:t>
             </a:fld>
@@ -2438,7 +2438,7 @@
     </p:spTree>
     <p:extLst>
       <p:ext uri="{BB962C8B-B14F-4D97-AF65-F5344CB8AC3E}">
-        <p14:creationId xmlns:p14="http://schemas.microsoft.com/office/powerpoint/2010/main" val="2783215530"/>
+        <p14:creationId xmlns:p14="http://schemas.microsoft.com/office/powerpoint/2010/main" val="1012669141"/>
       </p:ext>
     </p:extLst>
   </p:cSld>
@@ -2470,7 +2470,7 @@
           <p:cNvPr id="2" name="标题 1">
             <a:extLst>
               <a:ext uri="{FF2B5EF4-FFF2-40B4-BE49-F238E27FC236}">
-                <a16:creationId xmlns:a16="http://schemas.microsoft.com/office/drawing/2014/main" id="{DFE92965-304A-D074-FA63-B1A55934BA85}"/>
+                <a16:creationId xmlns:a16="http://schemas.microsoft.com/office/drawing/2014/main" id="{79BB742F-D5AD-2633-6211-4BB2543B6CD4}"/>
               </a:ext>
             </a:extLst>
           </p:cNvPr>
@@ -2507,7 +2507,7 @@
           <p:cNvPr id="3" name="图片占位符 2">
             <a:extLst>
               <a:ext uri="{FF2B5EF4-FFF2-40B4-BE49-F238E27FC236}">
-                <a16:creationId xmlns:a16="http://schemas.microsoft.com/office/drawing/2014/main" id="{4B7AF4E5-8B6B-80A0-CDD9-9F48FB3C0AE6}"/>
+                <a16:creationId xmlns:a16="http://schemas.microsoft.com/office/drawing/2014/main" id="{15DD71D3-76FC-0EF5-C202-63AD63527608}"/>
               </a:ext>
             </a:extLst>
           </p:cNvPr>
@@ -2574,7 +2574,7 @@
           <p:cNvPr id="4" name="文本占位符 3">
             <a:extLst>
               <a:ext uri="{FF2B5EF4-FFF2-40B4-BE49-F238E27FC236}">
-                <a16:creationId xmlns:a16="http://schemas.microsoft.com/office/drawing/2014/main" id="{E3AC5A8E-5D57-5909-C10C-0503F34CF975}"/>
+                <a16:creationId xmlns:a16="http://schemas.microsoft.com/office/drawing/2014/main" id="{E07F5E2D-4032-FBFB-4A7A-69288B314517}"/>
               </a:ext>
             </a:extLst>
           </p:cNvPr>
@@ -2645,7 +2645,7 @@
           <p:cNvPr id="5" name="日期占位符 4">
             <a:extLst>
               <a:ext uri="{FF2B5EF4-FFF2-40B4-BE49-F238E27FC236}">
-                <a16:creationId xmlns:a16="http://schemas.microsoft.com/office/drawing/2014/main" id="{08125CDE-3AA3-892E-A582-B10EFF3FECF0}"/>
+                <a16:creationId xmlns:a16="http://schemas.microsoft.com/office/drawing/2014/main" id="{2FD7A87A-B174-E7F4-54EA-BE8C85E217F4}"/>
               </a:ext>
             </a:extLst>
           </p:cNvPr>
@@ -2661,7 +2661,7 @@
           <a:bodyPr/>
           <a:lstStyle/>
           <a:p>
-            <a:fld id="{12316A42-816E-40BD-AC6F-B671ADEB7EDF}" type="datetimeFigureOut">
+            <a:fld id="{49600CB0-5E9F-43E8-995B-4BC93E07E9E1}" type="datetimeFigureOut">
               <a:rPr lang="zh-CN" altLang="en-US" smtClean="0"/>
               <a:t>2024/3/10</a:t>
             </a:fld>
@@ -2674,7 +2674,7 @@
           <p:cNvPr id="6" name="页脚占位符 5">
             <a:extLst>
               <a:ext uri="{FF2B5EF4-FFF2-40B4-BE49-F238E27FC236}">
-                <a16:creationId xmlns:a16="http://schemas.microsoft.com/office/drawing/2014/main" id="{37C85CC0-E586-CC42-3A53-34F39F51E559}"/>
+                <a16:creationId xmlns:a16="http://schemas.microsoft.com/office/drawing/2014/main" id="{F82D5D55-2C7E-B342-48A5-F28BA855DE7F}"/>
               </a:ext>
             </a:extLst>
           </p:cNvPr>
@@ -2699,7 +2699,7 @@
           <p:cNvPr id="7" name="灯片编号占位符 6">
             <a:extLst>
               <a:ext uri="{FF2B5EF4-FFF2-40B4-BE49-F238E27FC236}">
-                <a16:creationId xmlns:a16="http://schemas.microsoft.com/office/drawing/2014/main" id="{6E5A34E4-5905-FB64-D08E-2EA3127CF57D}"/>
+                <a16:creationId xmlns:a16="http://schemas.microsoft.com/office/drawing/2014/main" id="{D6DB9F39-6E8D-1BEC-8AFE-A7C6D23E09C7}"/>
               </a:ext>
             </a:extLst>
           </p:cNvPr>
@@ -2715,7 +2715,7 @@
           <a:bodyPr/>
           <a:lstStyle/>
           <a:p>
-            <a:fld id="{903BE7DA-89A4-4B18-8DE8-65F90C3F4FD7}" type="slidenum">
+            <a:fld id="{FC27A449-ACD3-4E1F-9792-B927A0F176C5}" type="slidenum">
               <a:rPr lang="zh-CN" altLang="en-US" smtClean="0"/>
               <a:t>‹#›</a:t>
             </a:fld>
@@ -2726,7 +2726,7 @@
     </p:spTree>
     <p:extLst>
       <p:ext uri="{BB962C8B-B14F-4D97-AF65-F5344CB8AC3E}">
-        <p14:creationId xmlns:p14="http://schemas.microsoft.com/office/powerpoint/2010/main" val="2462853864"/>
+        <p14:creationId xmlns:p14="http://schemas.microsoft.com/office/powerpoint/2010/main" val="1705497938"/>
       </p:ext>
     </p:extLst>
   </p:cSld>
@@ -2763,7 +2763,7 @@
           <p:cNvPr id="2" name="标题占位符 1">
             <a:extLst>
               <a:ext uri="{FF2B5EF4-FFF2-40B4-BE49-F238E27FC236}">
-                <a16:creationId xmlns:a16="http://schemas.microsoft.com/office/drawing/2014/main" id="{42CBDF35-D4B5-FCE1-A5C6-89399E1889F0}"/>
+                <a16:creationId xmlns:a16="http://schemas.microsoft.com/office/drawing/2014/main" id="{9A26971D-95DD-1939-26EF-7669708A341B}"/>
               </a:ext>
             </a:extLst>
           </p:cNvPr>
@@ -2801,7 +2801,7 @@
           <p:cNvPr id="3" name="文本占位符 2">
             <a:extLst>
               <a:ext uri="{FF2B5EF4-FFF2-40B4-BE49-F238E27FC236}">
-                <a16:creationId xmlns:a16="http://schemas.microsoft.com/office/drawing/2014/main" id="{EFF78DFF-1E6F-FDC6-1AC4-C04021094FBD}"/>
+                <a16:creationId xmlns:a16="http://schemas.microsoft.com/office/drawing/2014/main" id="{C42073E0-4289-0018-873D-156DE1877464}"/>
               </a:ext>
             </a:extLst>
           </p:cNvPr>
@@ -2868,7 +2868,7 @@
           <p:cNvPr id="4" name="日期占位符 3">
             <a:extLst>
               <a:ext uri="{FF2B5EF4-FFF2-40B4-BE49-F238E27FC236}">
-                <a16:creationId xmlns:a16="http://schemas.microsoft.com/office/drawing/2014/main" id="{621C131B-F304-A82F-E260-C46DD2CE2FBD}"/>
+                <a16:creationId xmlns:a16="http://schemas.microsoft.com/office/drawing/2014/main" id="{42FEA93F-7DF1-1336-EF04-DDA6A6F8DD98}"/>
               </a:ext>
             </a:extLst>
           </p:cNvPr>
@@ -2902,7 +2902,7 @@
             </a:lvl1pPr>
           </a:lstStyle>
           <a:p>
-            <a:fld id="{12316A42-816E-40BD-AC6F-B671ADEB7EDF}" type="datetimeFigureOut">
+            <a:fld id="{49600CB0-5E9F-43E8-995B-4BC93E07E9E1}" type="datetimeFigureOut">
               <a:rPr lang="zh-CN" altLang="en-US" smtClean="0"/>
               <a:t>2024/3/10</a:t>
             </a:fld>
@@ -2915,7 +2915,7 @@
           <p:cNvPr id="5" name="页脚占位符 4">
             <a:extLst>
               <a:ext uri="{FF2B5EF4-FFF2-40B4-BE49-F238E27FC236}">
-                <a16:creationId xmlns:a16="http://schemas.microsoft.com/office/drawing/2014/main" id="{F7766702-C569-97FD-D36C-26277671A68D}"/>
+                <a16:creationId xmlns:a16="http://schemas.microsoft.com/office/drawing/2014/main" id="{587DBB5E-2BB1-03CD-2059-CA75C71B369E}"/>
               </a:ext>
             </a:extLst>
           </p:cNvPr>
@@ -2958,7 +2958,7 @@
           <p:cNvPr id="6" name="灯片编号占位符 5">
             <a:extLst>
               <a:ext uri="{FF2B5EF4-FFF2-40B4-BE49-F238E27FC236}">
-                <a16:creationId xmlns:a16="http://schemas.microsoft.com/office/drawing/2014/main" id="{A5516AD0-0C8A-B4D5-8067-1866251C03D3}"/>
+                <a16:creationId xmlns:a16="http://schemas.microsoft.com/office/drawing/2014/main" id="{9F2CB343-178D-A6FA-9449-A6301E9A5635}"/>
               </a:ext>
             </a:extLst>
           </p:cNvPr>
@@ -2992,7 +2992,7 @@
             </a:lvl1pPr>
           </a:lstStyle>
           <a:p>
-            <a:fld id="{903BE7DA-89A4-4B18-8DE8-65F90C3F4FD7}" type="slidenum">
+            <a:fld id="{FC27A449-ACD3-4E1F-9792-B927A0F176C5}" type="slidenum">
               <a:rPr lang="zh-CN" altLang="en-US" smtClean="0"/>
               <a:t>‹#›</a:t>
             </a:fld>
@@ -3003,7 +3003,7 @@
     </p:spTree>
     <p:extLst>
       <p:ext uri="{BB962C8B-B14F-4D97-AF65-F5344CB8AC3E}">
-        <p14:creationId xmlns:p14="http://schemas.microsoft.com/office/powerpoint/2010/main" val="1872247147"/>
+        <p14:creationId xmlns:p14="http://schemas.microsoft.com/office/powerpoint/2010/main" val="2681126201"/>
       </p:ext>
     </p:extLst>
   </p:cSld>
@@ -3323,7 +3323,7 @@
       </p:grpSpPr>
       <p:pic>
         <p:nvPicPr>
-          <p:cNvPr id="1592322" name="Picture 2" descr="1554"/>
+          <p:cNvPr id="1593346" name="Picture 2" descr="1555"/>
           <p:cNvPicPr>
             <a:picLocks noChangeAspect="1" noChangeArrowheads="1"/>
           </p:cNvPicPr>
@@ -3344,8 +3344,8 @@
         </p:blipFill>
         <p:spPr bwMode="auto">
           <a:xfrm>
-            <a:off x="1524001" y="0"/>
-            <a:ext cx="9053513" cy="6789738"/>
+            <a:off x="1524000" y="1"/>
+            <a:ext cx="9144000" cy="5876925"/>
           </a:xfrm>
           <a:prstGeom prst="rect">
             <a:avLst/>
